--- a/DevOpsDemoClass.pptx
+++ b/DevOpsDemoClass.pptx
@@ -39,6 +39,7 @@
     <p:sldId id="290" r:id="rId33"/>
     <p:sldId id="291" r:id="rId34"/>
     <p:sldId id="306" r:id="rId35"/>
+    <p:sldId id="307" r:id="rId36"/>
   </p:sldIdLst>
   <p:sldSz cx="9144000" cy="6858000" type="screen4x3"/>
   <p:notesSz cx="6858000" cy="9144000"/>
@@ -139,7 +140,7 @@
   </p:defaultTextStyle>
   <p:extLst>
     <p:ext uri="{EFAFB233-063F-42B5-8137-9DF3F51BA10A}">
-      <p15:sldGuideLst xmlns:p15="http://schemas.microsoft.com/office/powerpoint/2012/main">
+      <p15:sldGuideLst xmlns:p15="http://schemas.microsoft.com/office/powerpoint/2012/main" xmlns="">
         <p15:guide id="1" orient="horz" pos="2160">
           <p15:clr>
             <a:srgbClr val="A4A3A4"/>
@@ -329,7 +330,8 @@
           <a:p>
             <a:fld id="{0E60A574-E527-41A5-ACAB-BA3EA9311CC8}" type="datetimeFigureOut">
               <a:rPr lang="en-US" smtClean="0"/>
-              <a:t>8/18/16</a:t>
+              <a:pPr/>
+              <a:t>2/17/2017</a:t>
             </a:fld>
             <a:endParaRPr lang="en-US"/>
           </a:p>
@@ -371,6 +373,7 @@
           <a:p>
             <a:fld id="{03E6C053-6417-4AC6-8E04-26F252914A27}" type="slidenum">
               <a:rPr lang="en-US" smtClean="0"/>
+              <a:pPr/>
               <a:t>‹#›</a:t>
             </a:fld>
             <a:endParaRPr lang="en-US"/>
@@ -494,7 +497,8 @@
           <a:p>
             <a:fld id="{0E60A574-E527-41A5-ACAB-BA3EA9311CC8}" type="datetimeFigureOut">
               <a:rPr lang="en-US" smtClean="0"/>
-              <a:t>8/18/16</a:t>
+              <a:pPr/>
+              <a:t>2/17/2017</a:t>
             </a:fld>
             <a:endParaRPr lang="en-US"/>
           </a:p>
@@ -536,6 +540,7 @@
           <a:p>
             <a:fld id="{03E6C053-6417-4AC6-8E04-26F252914A27}" type="slidenum">
               <a:rPr lang="en-US" smtClean="0"/>
+              <a:pPr/>
               <a:t>‹#›</a:t>
             </a:fld>
             <a:endParaRPr lang="en-US"/>
@@ -669,7 +674,8 @@
           <a:p>
             <a:fld id="{0E60A574-E527-41A5-ACAB-BA3EA9311CC8}" type="datetimeFigureOut">
               <a:rPr lang="en-US" smtClean="0"/>
-              <a:t>8/18/16</a:t>
+              <a:pPr/>
+              <a:t>2/17/2017</a:t>
             </a:fld>
             <a:endParaRPr lang="en-US"/>
           </a:p>
@@ -711,6 +717,7 @@
           <a:p>
             <a:fld id="{03E6C053-6417-4AC6-8E04-26F252914A27}" type="slidenum">
               <a:rPr lang="en-US" smtClean="0"/>
+              <a:pPr/>
               <a:t>‹#›</a:t>
             </a:fld>
             <a:endParaRPr lang="en-US"/>
@@ -834,7 +841,8 @@
           <a:p>
             <a:fld id="{0E60A574-E527-41A5-ACAB-BA3EA9311CC8}" type="datetimeFigureOut">
               <a:rPr lang="en-US" smtClean="0"/>
-              <a:t>8/18/16</a:t>
+              <a:pPr/>
+              <a:t>2/17/2017</a:t>
             </a:fld>
             <a:endParaRPr lang="en-US"/>
           </a:p>
@@ -876,6 +884,7 @@
           <a:p>
             <a:fld id="{03E6C053-6417-4AC6-8E04-26F252914A27}" type="slidenum">
               <a:rPr lang="en-US" smtClean="0"/>
+              <a:pPr/>
               <a:t>‹#›</a:t>
             </a:fld>
             <a:endParaRPr lang="en-US"/>
@@ -1076,7 +1085,8 @@
           <a:p>
             <a:fld id="{0E60A574-E527-41A5-ACAB-BA3EA9311CC8}" type="datetimeFigureOut">
               <a:rPr lang="en-US" smtClean="0"/>
-              <a:t>8/18/16</a:t>
+              <a:pPr/>
+              <a:t>2/17/2017</a:t>
             </a:fld>
             <a:endParaRPr lang="en-US"/>
           </a:p>
@@ -1118,6 +1128,7 @@
           <a:p>
             <a:fld id="{03E6C053-6417-4AC6-8E04-26F252914A27}" type="slidenum">
               <a:rPr lang="en-US" smtClean="0"/>
+              <a:pPr/>
               <a:t>‹#›</a:t>
             </a:fld>
             <a:endParaRPr lang="en-US"/>
@@ -1340,7 +1351,8 @@
           <a:p>
             <a:fld id="{0E60A574-E527-41A5-ACAB-BA3EA9311CC8}" type="datetimeFigureOut">
               <a:rPr lang="en-US" smtClean="0"/>
-              <a:t>8/18/16</a:t>
+              <a:pPr/>
+              <a:t>2/17/2017</a:t>
             </a:fld>
             <a:endParaRPr lang="en-US"/>
           </a:p>
@@ -1382,6 +1394,7 @@
           <a:p>
             <a:fld id="{03E6C053-6417-4AC6-8E04-26F252914A27}" type="slidenum">
               <a:rPr lang="en-US" smtClean="0"/>
+              <a:pPr/>
               <a:t>‹#›</a:t>
             </a:fld>
             <a:endParaRPr lang="en-US"/>
@@ -1718,7 +1731,8 @@
           <a:p>
             <a:fld id="{0E60A574-E527-41A5-ACAB-BA3EA9311CC8}" type="datetimeFigureOut">
               <a:rPr lang="en-US" smtClean="0"/>
-              <a:t>8/18/16</a:t>
+              <a:pPr/>
+              <a:t>2/17/2017</a:t>
             </a:fld>
             <a:endParaRPr lang="en-US"/>
           </a:p>
@@ -1760,6 +1774,7 @@
           <a:p>
             <a:fld id="{03E6C053-6417-4AC6-8E04-26F252914A27}" type="slidenum">
               <a:rPr lang="en-US" smtClean="0"/>
+              <a:pPr/>
               <a:t>‹#›</a:t>
             </a:fld>
             <a:endParaRPr lang="en-US"/>
@@ -1868,7 +1883,8 @@
           <a:p>
             <a:fld id="{0E60A574-E527-41A5-ACAB-BA3EA9311CC8}" type="datetimeFigureOut">
               <a:rPr lang="en-US" smtClean="0"/>
-              <a:t>8/18/16</a:t>
+              <a:pPr/>
+              <a:t>2/17/2017</a:t>
             </a:fld>
             <a:endParaRPr lang="en-US"/>
           </a:p>
@@ -1910,6 +1926,7 @@
           <a:p>
             <a:fld id="{03E6C053-6417-4AC6-8E04-26F252914A27}" type="slidenum">
               <a:rPr lang="en-US" smtClean="0"/>
+              <a:pPr/>
               <a:t>‹#›</a:t>
             </a:fld>
             <a:endParaRPr lang="en-US"/>
@@ -1958,7 +1975,8 @@
           <a:p>
             <a:fld id="{0E60A574-E527-41A5-ACAB-BA3EA9311CC8}" type="datetimeFigureOut">
               <a:rPr lang="en-US" smtClean="0"/>
-              <a:t>8/18/16</a:t>
+              <a:pPr/>
+              <a:t>2/17/2017</a:t>
             </a:fld>
             <a:endParaRPr lang="en-US"/>
           </a:p>
@@ -2000,6 +2018,7 @@
           <a:p>
             <a:fld id="{03E6C053-6417-4AC6-8E04-26F252914A27}" type="slidenum">
               <a:rPr lang="en-US" smtClean="0"/>
+              <a:pPr/>
               <a:t>‹#›</a:t>
             </a:fld>
             <a:endParaRPr lang="en-US"/>
@@ -2219,7 +2238,8 @@
           <a:p>
             <a:fld id="{0E60A574-E527-41A5-ACAB-BA3EA9311CC8}" type="datetimeFigureOut">
               <a:rPr lang="en-US" smtClean="0"/>
-              <a:t>8/18/16</a:t>
+              <a:pPr/>
+              <a:t>2/17/2017</a:t>
             </a:fld>
             <a:endParaRPr lang="en-US"/>
           </a:p>
@@ -2261,6 +2281,7 @@
           <a:p>
             <a:fld id="{03E6C053-6417-4AC6-8E04-26F252914A27}" type="slidenum">
               <a:rPr lang="en-US" smtClean="0"/>
+              <a:pPr/>
               <a:t>‹#›</a:t>
             </a:fld>
             <a:endParaRPr lang="en-US"/>
@@ -2507,7 +2528,8 @@
           <a:p>
             <a:fld id="{0E60A574-E527-41A5-ACAB-BA3EA9311CC8}" type="datetimeFigureOut">
               <a:rPr lang="en-US" smtClean="0"/>
-              <a:t>8/18/16</a:t>
+              <a:pPr/>
+              <a:t>2/17/2017</a:t>
             </a:fld>
             <a:endParaRPr lang="en-US"/>
           </a:p>
@@ -2554,6 +2576,7 @@
           <a:p>
             <a:fld id="{03E6C053-6417-4AC6-8E04-26F252914A27}" type="slidenum">
               <a:rPr lang="en-US" smtClean="0"/>
+              <a:pPr/>
               <a:t>‹#›</a:t>
             </a:fld>
             <a:endParaRPr lang="en-US"/>
@@ -3278,7 +3301,8 @@
           <a:p>
             <a:fld id="{0E60A574-E527-41A5-ACAB-BA3EA9311CC8}" type="datetimeFigureOut">
               <a:rPr lang="en-US" smtClean="0"/>
-              <a:t>8/18/16</a:t>
+              <a:pPr/>
+              <a:t>2/17/2017</a:t>
             </a:fld>
             <a:endParaRPr lang="en-US"/>
           </a:p>
@@ -3356,6 +3380,7 @@
           <a:p>
             <a:fld id="{03E6C053-6417-4AC6-8E04-26F252914A27}" type="slidenum">
               <a:rPr lang="en-US" smtClean="0"/>
+              <a:pPr/>
               <a:t>‹#›</a:t>
             </a:fld>
             <a:endParaRPr lang="en-US"/>
@@ -4995,7 +5020,7 @@
           <a:blip r:embed="rId2">
             <a:extLst>
               <a:ext uri="{28A0092B-C50C-407E-A947-70E740481C1C}">
-                <a14:useLocalDpi xmlns:a14="http://schemas.microsoft.com/office/drawing/2010/main" val="0"/>
+                <a14:useLocalDpi xmlns:a14="http://schemas.microsoft.com/office/drawing/2010/main" xmlns="" val="0"/>
               </a:ext>
             </a:extLst>
           </a:blip>
@@ -5178,7 +5203,7 @@
     </p:spTree>
     <p:extLst>
       <p:ext uri="{BB962C8B-B14F-4D97-AF65-F5344CB8AC3E}">
-        <p14:creationId xmlns:p14="http://schemas.microsoft.com/office/powerpoint/2010/main" val="913020086"/>
+        <p14:creationId xmlns:p14="http://schemas.microsoft.com/office/powerpoint/2010/main" xmlns="" val="913020086"/>
       </p:ext>
     </p:extLst>
   </p:cSld>
@@ -6391,7 +6416,7 @@
     </p:spTree>
     <p:extLst>
       <p:ext uri="{BB962C8B-B14F-4D97-AF65-F5344CB8AC3E}">
-        <p14:creationId xmlns:p14="http://schemas.microsoft.com/office/powerpoint/2010/main" val="598954494"/>
+        <p14:creationId xmlns:p14="http://schemas.microsoft.com/office/powerpoint/2010/main" xmlns="" val="598954494"/>
       </p:ext>
     </p:extLst>
   </p:cSld>
@@ -6405,6 +6430,69 @@
       </p:par>
     </p:tnLst>
   </p:timing>
+</p:sld>
+</file>
+
+<file path=ppt/slides/slide35.xml><?xml version="1.0" encoding="utf-8"?>
+<p:sld xmlns:a="http://schemas.openxmlformats.org/drawingml/2006/main" xmlns:r="http://schemas.openxmlformats.org/officeDocument/2006/relationships" xmlns:p="http://schemas.openxmlformats.org/presentationml/2006/main">
+  <p:cSld>
+    <p:spTree>
+      <p:nvGrpSpPr>
+        <p:cNvPr id="1" name=""/>
+        <p:cNvGrpSpPr/>
+        <p:nvPr/>
+      </p:nvGrpSpPr>
+      <p:grpSpPr>
+        <a:xfrm>
+          <a:off x="0" y="0"/>
+          <a:ext cx="0" cy="0"/>
+          <a:chOff x="0" y="0"/>
+          <a:chExt cx="0" cy="0"/>
+        </a:xfrm>
+      </p:grpSpPr>
+      <p:sp>
+        <p:nvSpPr>
+          <p:cNvPr id="2" name="Title 1"/>
+          <p:cNvSpPr>
+            <a:spLocks noGrp="1"/>
+          </p:cNvSpPr>
+          <p:nvPr>
+            <p:ph type="ctrTitle"/>
+          </p:nvPr>
+        </p:nvSpPr>
+        <p:spPr/>
+        <p:txBody>
+          <a:bodyPr/>
+          <a:lstStyle/>
+          <a:p>
+            <a:endParaRPr lang="en-US"/>
+          </a:p>
+        </p:txBody>
+      </p:sp>
+      <p:sp>
+        <p:nvSpPr>
+          <p:cNvPr id="3" name="Subtitle 2"/>
+          <p:cNvSpPr>
+            <a:spLocks noGrp="1"/>
+          </p:cNvSpPr>
+          <p:nvPr>
+            <p:ph type="subTitle" idx="1"/>
+          </p:nvPr>
+        </p:nvSpPr>
+        <p:spPr/>
+        <p:txBody>
+          <a:bodyPr/>
+          <a:lstStyle/>
+          <a:p>
+            <a:endParaRPr lang="en-US"/>
+          </a:p>
+        </p:txBody>
+      </p:sp>
+    </p:spTree>
+  </p:cSld>
+  <p:clrMapOvr>
+    <a:masterClrMapping/>
+  </p:clrMapOvr>
 </p:sld>
 </file>
 
@@ -6714,11 +6802,7 @@
           <a:p>
             <a:r>
               <a:rPr lang="en-US" dirty="0" smtClean="0"/>
-              <a:t>More on</a:t>
-            </a:r>
-            <a:r>
-              <a:rPr lang="en-US" dirty="0" smtClean="0"/>
-              <a:t> </a:t>
+              <a:t>More on </a:t>
             </a:r>
             <a:r>
               <a:rPr lang="en-US" dirty="0" err="1" smtClean="0"/>
